--- a/Hackathon Project.pptx
+++ b/Hackathon Project.pptx
@@ -306,7 +306,7 @@
           <a:p>
             <a:fld id="{733C27B5-FD0F-4957-A4FF-5113AF5747E4}" type="datetimeFigureOut">
               <a:rPr lang="en-IN" smtClean="0"/>
-              <a:t>10-05-2023</a:t>
+              <a:t>15-05-2023</a:t>
             </a:fld>
             <a:endParaRPr lang="en-IN"/>
           </a:p>
@@ -581,7 +581,7 @@
           <a:p>
             <a:fld id="{733C27B5-FD0F-4957-A4FF-5113AF5747E4}" type="datetimeFigureOut">
               <a:rPr lang="en-IN" smtClean="0"/>
-              <a:t>10-05-2023</a:t>
+              <a:t>15-05-2023</a:t>
             </a:fld>
             <a:endParaRPr lang="en-IN"/>
           </a:p>
@@ -775,7 +775,7 @@
           <a:p>
             <a:fld id="{733C27B5-FD0F-4957-A4FF-5113AF5747E4}" type="datetimeFigureOut">
               <a:rPr lang="en-IN" smtClean="0"/>
-              <a:t>10-05-2023</a:t>
+              <a:t>15-05-2023</a:t>
             </a:fld>
             <a:endParaRPr lang="en-IN"/>
           </a:p>
@@ -1048,7 +1048,7 @@
           <a:p>
             <a:fld id="{733C27B5-FD0F-4957-A4FF-5113AF5747E4}" type="datetimeFigureOut">
               <a:rPr lang="en-IN" smtClean="0"/>
-              <a:t>10-05-2023</a:t>
+              <a:t>15-05-2023</a:t>
             </a:fld>
             <a:endParaRPr lang="en-IN"/>
           </a:p>
@@ -1389,7 +1389,7 @@
           <a:p>
             <a:fld id="{733C27B5-FD0F-4957-A4FF-5113AF5747E4}" type="datetimeFigureOut">
               <a:rPr lang="en-IN" smtClean="0"/>
-              <a:t>10-05-2023</a:t>
+              <a:t>15-05-2023</a:t>
             </a:fld>
             <a:endParaRPr lang="en-IN"/>
           </a:p>
@@ -2012,7 +2012,7 @@
           <a:p>
             <a:fld id="{733C27B5-FD0F-4957-A4FF-5113AF5747E4}" type="datetimeFigureOut">
               <a:rPr lang="en-IN" smtClean="0"/>
-              <a:t>10-05-2023</a:t>
+              <a:t>15-05-2023</a:t>
             </a:fld>
             <a:endParaRPr lang="en-IN"/>
           </a:p>
@@ -2872,7 +2872,7 @@
           <a:p>
             <a:fld id="{733C27B5-FD0F-4957-A4FF-5113AF5747E4}" type="datetimeFigureOut">
               <a:rPr lang="en-IN" smtClean="0"/>
-              <a:t>10-05-2023</a:t>
+              <a:t>15-05-2023</a:t>
             </a:fld>
             <a:endParaRPr lang="en-IN"/>
           </a:p>
@@ -3042,7 +3042,7 @@
           <a:p>
             <a:fld id="{733C27B5-FD0F-4957-A4FF-5113AF5747E4}" type="datetimeFigureOut">
               <a:rPr lang="en-IN" smtClean="0"/>
-              <a:t>10-05-2023</a:t>
+              <a:t>15-05-2023</a:t>
             </a:fld>
             <a:endParaRPr lang="en-IN"/>
           </a:p>
@@ -3222,7 +3222,7 @@
           <a:p>
             <a:fld id="{733C27B5-FD0F-4957-A4FF-5113AF5747E4}" type="datetimeFigureOut">
               <a:rPr lang="en-IN" smtClean="0"/>
-              <a:t>10-05-2023</a:t>
+              <a:t>15-05-2023</a:t>
             </a:fld>
             <a:endParaRPr lang="en-IN"/>
           </a:p>
@@ -3392,7 +3392,7 @@
           <a:p>
             <a:fld id="{733C27B5-FD0F-4957-A4FF-5113AF5747E4}" type="datetimeFigureOut">
               <a:rPr lang="en-IN" smtClean="0"/>
-              <a:t>10-05-2023</a:t>
+              <a:t>15-05-2023</a:t>
             </a:fld>
             <a:endParaRPr lang="en-IN"/>
           </a:p>
@@ -3639,7 +3639,7 @@
           <a:p>
             <a:fld id="{733C27B5-FD0F-4957-A4FF-5113AF5747E4}" type="datetimeFigureOut">
               <a:rPr lang="en-IN" smtClean="0"/>
-              <a:t>10-05-2023</a:t>
+              <a:t>15-05-2023</a:t>
             </a:fld>
             <a:endParaRPr lang="en-IN"/>
           </a:p>
@@ -3931,7 +3931,7 @@
           <a:p>
             <a:fld id="{733C27B5-FD0F-4957-A4FF-5113AF5747E4}" type="datetimeFigureOut">
               <a:rPr lang="en-IN" smtClean="0"/>
-              <a:t>10-05-2023</a:t>
+              <a:t>15-05-2023</a:t>
             </a:fld>
             <a:endParaRPr lang="en-IN"/>
           </a:p>
@@ -4375,7 +4375,7 @@
           <a:p>
             <a:fld id="{733C27B5-FD0F-4957-A4FF-5113AF5747E4}" type="datetimeFigureOut">
               <a:rPr lang="en-IN" smtClean="0"/>
-              <a:t>10-05-2023</a:t>
+              <a:t>15-05-2023</a:t>
             </a:fld>
             <a:endParaRPr lang="en-IN"/>
           </a:p>
@@ -4493,7 +4493,7 @@
           <a:p>
             <a:fld id="{733C27B5-FD0F-4957-A4FF-5113AF5747E4}" type="datetimeFigureOut">
               <a:rPr lang="en-IN" smtClean="0"/>
-              <a:t>10-05-2023</a:t>
+              <a:t>15-05-2023</a:t>
             </a:fld>
             <a:endParaRPr lang="en-IN"/>
           </a:p>
@@ -4588,7 +4588,7 @@
           <a:p>
             <a:fld id="{733C27B5-FD0F-4957-A4FF-5113AF5747E4}" type="datetimeFigureOut">
               <a:rPr lang="en-IN" smtClean="0"/>
-              <a:t>10-05-2023</a:t>
+              <a:t>15-05-2023</a:t>
             </a:fld>
             <a:endParaRPr lang="en-IN"/>
           </a:p>
@@ -4867,7 +4867,7 @@
           <a:p>
             <a:fld id="{733C27B5-FD0F-4957-A4FF-5113AF5747E4}" type="datetimeFigureOut">
               <a:rPr lang="en-IN" smtClean="0"/>
-              <a:t>10-05-2023</a:t>
+              <a:t>15-05-2023</a:t>
             </a:fld>
             <a:endParaRPr lang="en-IN"/>
           </a:p>
@@ -5142,7 +5142,7 @@
           <a:p>
             <a:fld id="{733C27B5-FD0F-4957-A4FF-5113AF5747E4}" type="datetimeFigureOut">
               <a:rPr lang="en-IN" smtClean="0"/>
-              <a:t>10-05-2023</a:t>
+              <a:t>15-05-2023</a:t>
             </a:fld>
             <a:endParaRPr lang="en-IN"/>
           </a:p>
@@ -5571,7 +5571,7 @@
           <a:p>
             <a:fld id="{733C27B5-FD0F-4957-A4FF-5113AF5747E4}" type="datetimeFigureOut">
               <a:rPr lang="en-IN" smtClean="0"/>
-              <a:t>10-05-2023</a:t>
+              <a:t>15-05-2023</a:t>
             </a:fld>
             <a:endParaRPr lang="en-IN"/>
           </a:p>
@@ -6180,11 +6180,7 @@
             <a:pPr algn="l"/>
             <a:r>
               <a:rPr lang="en-US" sz="6200" dirty="0"/>
-              <a:t>Organizer</a:t>
-            </a:r>
-            <a:r>
-              <a:rPr lang="en-US" sz="6200" dirty="0" smtClean="0"/>
-              <a:t>: S.I.t.S Computer science department</a:t>
+              <a:t>Organizer: S.I.t.S Computer science department</a:t>
             </a:r>
             <a:endParaRPr lang="en-IN" sz="6200" dirty="0"/>
           </a:p>
@@ -6618,16 +6614,16 @@
           <a:bodyPr/>
           <a:lstStyle/>
           <a:p>
-            <a:endParaRPr lang="en-IN"/>
+            <a:endParaRPr lang="en-IN" dirty="0"/>
           </a:p>
         </p:txBody>
       </p:sp>
       <p:pic>
         <p:nvPicPr>
-          <p:cNvPr id="9" name="Picture 8">
+          <p:cNvPr id="3" name="Picture 2">
             <a:extLst>
               <a:ext uri="{FF2B5EF4-FFF2-40B4-BE49-F238E27FC236}">
-                <a16:creationId xmlns:a16="http://schemas.microsoft.com/office/drawing/2014/main" id="{EBA47D2D-442C-39A9-212A-06210EDB870A}"/>
+                <a16:creationId xmlns:a16="http://schemas.microsoft.com/office/drawing/2014/main" id="{21D5AA0C-6CDB-A68E-A9EF-F26F21963C24}"/>
               </a:ext>
             </a:extLst>
           </p:cNvPr>
@@ -6644,8 +6640,8 @@
         </p:blipFill>
         <p:spPr>
           <a:xfrm>
-            <a:off x="444616" y="332772"/>
-            <a:ext cx="11492917" cy="6192456"/>
+            <a:off x="855678" y="609601"/>
+            <a:ext cx="9991287" cy="5618709"/>
           </a:xfrm>
           <a:prstGeom prst="rect">
             <a:avLst/>
